--- a/poster/FACE-IT_Poster_RWS.pptx
+++ b/poster/FACE-IT_Poster_RWS.pptx
@@ -72,7 +72,9 @@
           </a:prstGeom>
         </p:spPr>
         <p:txBody>
-          <a:bodyPr lIns="0" rIns="0" tIns="0" bIns="0" anchor="ctr"/>
+          <a:bodyPr lIns="0" rIns="0" tIns="0" bIns="0" anchor="ctr">
+            <a:noAutofit/>
+          </a:bodyPr>
           <a:p>
             <a:pPr algn="ctr"/>
             <a:endParaRPr b="0" lang="en-GB" sz="4400" spc="-1" strike="noStrike">
@@ -183,7 +185,9 @@
           </a:prstGeom>
         </p:spPr>
         <p:txBody>
-          <a:bodyPr lIns="0" rIns="0" tIns="0" bIns="0" anchor="ctr"/>
+          <a:bodyPr lIns="0" rIns="0" tIns="0" bIns="0" anchor="ctr">
+            <a:noAutofit/>
+          </a:bodyPr>
           <a:p>
             <a:pPr algn="ctr"/>
             <a:endParaRPr b="0" lang="en-GB" sz="4400" spc="-1" strike="noStrike">
@@ -354,7 +358,9 @@
           </a:prstGeom>
         </p:spPr>
         <p:txBody>
-          <a:bodyPr lIns="0" rIns="0" tIns="0" bIns="0" anchor="ctr"/>
+          <a:bodyPr lIns="0" rIns="0" tIns="0" bIns="0" anchor="ctr">
+            <a:noAutofit/>
+          </a:bodyPr>
           <a:p>
             <a:pPr algn="ctr"/>
             <a:endParaRPr b="0" lang="en-GB" sz="4400" spc="-1" strike="noStrike">
@@ -585,7 +591,9 @@
           </a:prstGeom>
         </p:spPr>
         <p:txBody>
-          <a:bodyPr lIns="0" rIns="0" tIns="0" bIns="0" anchor="ctr"/>
+          <a:bodyPr lIns="0" rIns="0" tIns="0" bIns="0" anchor="ctr">
+            <a:noAutofit/>
+          </a:bodyPr>
           <a:p>
             <a:pPr algn="ctr"/>
             <a:endParaRPr b="0" lang="en-GB" sz="4400" spc="-1" strike="noStrike">
@@ -614,7 +622,9 @@
           </a:prstGeom>
         </p:spPr>
         <p:txBody>
-          <a:bodyPr lIns="0" rIns="0" tIns="0" bIns="0" anchor="ctr"/>
+          <a:bodyPr lIns="0" rIns="0" tIns="0" bIns="0" anchor="ctr">
+            <a:noAutofit/>
+          </a:bodyPr>
           <a:p>
             <a:pPr algn="ctr"/>
             <a:endParaRPr b="0" lang="en-GB" sz="3200" spc="-1" strike="noStrike">
@@ -665,7 +675,9 @@
           </a:prstGeom>
         </p:spPr>
         <p:txBody>
-          <a:bodyPr lIns="0" rIns="0" tIns="0" bIns="0" anchor="ctr"/>
+          <a:bodyPr lIns="0" rIns="0" tIns="0" bIns="0" anchor="ctr">
+            <a:noAutofit/>
+          </a:bodyPr>
           <a:p>
             <a:pPr algn="ctr"/>
             <a:endParaRPr b="0" lang="en-GB" sz="4400" spc="-1" strike="noStrike">
@@ -746,7 +758,9 @@
           </a:prstGeom>
         </p:spPr>
         <p:txBody>
-          <a:bodyPr lIns="0" rIns="0" tIns="0" bIns="0" anchor="ctr"/>
+          <a:bodyPr lIns="0" rIns="0" tIns="0" bIns="0" anchor="ctr">
+            <a:noAutofit/>
+          </a:bodyPr>
           <a:p>
             <a:pPr algn="ctr"/>
             <a:endParaRPr b="0" lang="en-GB" sz="4400" spc="-1" strike="noStrike">
@@ -857,7 +871,9 @@
           </a:prstGeom>
         </p:spPr>
         <p:txBody>
-          <a:bodyPr lIns="0" rIns="0" tIns="0" bIns="0" anchor="ctr"/>
+          <a:bodyPr lIns="0" rIns="0" tIns="0" bIns="0" anchor="ctr">
+            <a:noAutofit/>
+          </a:bodyPr>
           <a:p>
             <a:pPr algn="ctr"/>
             <a:endParaRPr b="0" lang="en-GB" sz="4400" spc="-1" strike="noStrike">
@@ -908,7 +924,9 @@
           </a:prstGeom>
         </p:spPr>
         <p:txBody>
-          <a:bodyPr lIns="0" rIns="0" tIns="0" bIns="0" anchor="ctr"/>
+          <a:bodyPr lIns="0" rIns="0" tIns="0" bIns="0" anchor="ctr">
+            <a:noAutofit/>
+          </a:bodyPr>
           <a:p>
             <a:pPr algn="ctr"/>
             <a:endParaRPr b="0" lang="en-GB" sz="3200" spc="-1" strike="noStrike">
@@ -959,7 +977,9 @@
           </a:prstGeom>
         </p:spPr>
         <p:txBody>
-          <a:bodyPr lIns="0" rIns="0" tIns="0" bIns="0" anchor="ctr"/>
+          <a:bodyPr lIns="0" rIns="0" tIns="0" bIns="0" anchor="ctr">
+            <a:noAutofit/>
+          </a:bodyPr>
           <a:p>
             <a:pPr algn="ctr"/>
             <a:endParaRPr b="0" lang="en-GB" sz="4400" spc="-1" strike="noStrike">
@@ -1100,7 +1120,9 @@
           </a:prstGeom>
         </p:spPr>
         <p:txBody>
-          <a:bodyPr lIns="0" rIns="0" tIns="0" bIns="0" anchor="ctr"/>
+          <a:bodyPr lIns="0" rIns="0" tIns="0" bIns="0" anchor="ctr">
+            <a:noAutofit/>
+          </a:bodyPr>
           <a:p>
             <a:pPr algn="ctr"/>
             <a:endParaRPr b="0" lang="en-GB" sz="4400" spc="-1" strike="noStrike">
@@ -1241,7 +1263,9 @@
           </a:prstGeom>
         </p:spPr>
         <p:txBody>
-          <a:bodyPr lIns="0" rIns="0" tIns="0" bIns="0" anchor="ctr"/>
+          <a:bodyPr lIns="0" rIns="0" tIns="0" bIns="0" anchor="ctr">
+            <a:noAutofit/>
+          </a:bodyPr>
           <a:p>
             <a:pPr algn="ctr"/>
             <a:endParaRPr b="0" lang="en-GB" sz="4400" spc="-1" strike="noStrike">
@@ -1377,8 +1401,8 @@
         </p:nvSpPr>
         <p:spPr>
           <a:xfrm flipH="1" rot="10800000">
-            <a:off x="90741600" y="41651280"/>
-            <a:ext cx="30219480" cy="646920"/>
+            <a:off x="90741960" y="41651640"/>
+            <a:ext cx="30219120" cy="646560"/>
           </a:xfrm>
           <a:custGeom>
             <a:avLst/>
@@ -1428,8 +1452,8 @@
         </p:nvSpPr>
         <p:spPr>
           <a:xfrm flipV="1">
-            <a:off x="0" y="40241520"/>
-            <a:ext cx="30298320" cy="1950840"/>
+            <a:off x="0" y="40241160"/>
+            <a:ext cx="30297960" cy="1950480"/>
           </a:xfrm>
           <a:prstGeom prst="rect">
             <a:avLst/>
@@ -1472,7 +1496,7 @@
         <p:spPr>
           <a:xfrm>
             <a:off x="806040" y="40412880"/>
-            <a:ext cx="3603600" cy="1599840"/>
+            <a:ext cx="3603240" cy="1599480"/>
           </a:xfrm>
           <a:prstGeom prst="rect">
             <a:avLst/>
@@ -1495,7 +1519,7 @@
         <p:spPr>
           <a:xfrm>
             <a:off x="25000920" y="40752360"/>
-            <a:ext cx="467280" cy="436680"/>
+            <a:ext cx="466920" cy="436320"/>
           </a:xfrm>
           <a:prstGeom prst="rect">
             <a:avLst/>
@@ -1518,7 +1542,7 @@
         <p:spPr>
           <a:xfrm>
             <a:off x="24985080" y="41211000"/>
-            <a:ext cx="467280" cy="436680"/>
+            <a:ext cx="466920" cy="436320"/>
           </a:xfrm>
           <a:prstGeom prst="rect">
             <a:avLst/>
@@ -1541,7 +1565,7 @@
         <p:spPr>
           <a:xfrm>
             <a:off x="25001640" y="40288320"/>
-            <a:ext cx="467280" cy="436680"/>
+            <a:ext cx="466920" cy="436320"/>
           </a:xfrm>
           <a:prstGeom prst="rect">
             <a:avLst/>
@@ -1564,7 +1588,7 @@
         <p:spPr>
           <a:xfrm>
             <a:off x="24984360" y="41656320"/>
-            <a:ext cx="467280" cy="436680"/>
+            <a:ext cx="466920" cy="436320"/>
           </a:xfrm>
           <a:prstGeom prst="rect">
             <a:avLst/>
@@ -1583,7 +1607,7 @@
         <p:spPr>
           <a:xfrm>
             <a:off x="25561800" y="40151160"/>
-            <a:ext cx="3987720" cy="577800"/>
+            <a:ext cx="3987360" cy="577440"/>
           </a:xfrm>
           <a:prstGeom prst="rect">
             <a:avLst/>
@@ -1600,7 +1624,9 @@
           <a:fontRef idx="minor"/>
         </p:style>
         <p:txBody>
-          <a:bodyPr lIns="122040" rIns="122040" tIns="60840" bIns="60840"/>
+          <a:bodyPr lIns="122040" rIns="122040" tIns="60840" bIns="60840">
+            <a:noAutofit/>
+          </a:bodyPr>
           <a:p>
             <a:pPr>
               <a:lnSpc>
@@ -1608,7 +1634,7 @@
               </a:lnSpc>
             </a:pPr>
             <a:r>
-              <a:rPr b="0" lang="en-GB" sz="2000" spc="284" strike="noStrike">
+              <a:rPr b="0" lang="en-GB" sz="2000" spc="282" strike="noStrike">
                 <a:solidFill>
                   <a:srgbClr val="ffffff"/>
                 </a:solidFill>
@@ -1632,7 +1658,7 @@
         <p:spPr>
           <a:xfrm>
             <a:off x="25561800" y="40608720"/>
-            <a:ext cx="3987720" cy="577800"/>
+            <a:ext cx="3987360" cy="577440"/>
           </a:xfrm>
           <a:prstGeom prst="rect">
             <a:avLst/>
@@ -1649,7 +1675,9 @@
           <a:fontRef idx="minor"/>
         </p:style>
         <p:txBody>
-          <a:bodyPr lIns="122040" rIns="122040" tIns="60840" bIns="60840"/>
+          <a:bodyPr lIns="122040" rIns="122040" tIns="60840" bIns="60840">
+            <a:noAutofit/>
+          </a:bodyPr>
           <a:p>
             <a:pPr>
               <a:lnSpc>
@@ -1657,7 +1685,7 @@
               </a:lnSpc>
             </a:pPr>
             <a:r>
-              <a:rPr b="0" lang="en-GB" sz="2000" spc="284" strike="noStrike">
+              <a:rPr b="0" lang="en-GB" sz="2000" spc="282" strike="noStrike">
                 <a:solidFill>
                   <a:srgbClr val="ffffff"/>
                 </a:solidFill>
@@ -1681,7 +1709,7 @@
         <p:spPr>
           <a:xfrm>
             <a:off x="25561800" y="41069160"/>
-            <a:ext cx="3987720" cy="577800"/>
+            <a:ext cx="3987360" cy="577440"/>
           </a:xfrm>
           <a:prstGeom prst="rect">
             <a:avLst/>
@@ -1698,7 +1726,9 @@
           <a:fontRef idx="minor"/>
         </p:style>
         <p:txBody>
-          <a:bodyPr lIns="122040" rIns="122040" tIns="60840" bIns="60840"/>
+          <a:bodyPr lIns="122040" rIns="122040" tIns="60840" bIns="60840">
+            <a:noAutofit/>
+          </a:bodyPr>
           <a:p>
             <a:pPr>
               <a:lnSpc>
@@ -1706,7 +1736,7 @@
               </a:lnSpc>
             </a:pPr>
             <a:r>
-              <a:rPr b="0" lang="en-GB" sz="2000" spc="284" strike="noStrike">
+              <a:rPr b="0" lang="en-GB" sz="2000" spc="282" strike="noStrike">
                 <a:solidFill>
                   <a:srgbClr val="ffffff"/>
                 </a:solidFill>
@@ -1730,7 +1760,7 @@
         <p:spPr>
           <a:xfrm>
             <a:off x="25561800" y="41531400"/>
-            <a:ext cx="3987720" cy="577800"/>
+            <a:ext cx="3987360" cy="577440"/>
           </a:xfrm>
           <a:prstGeom prst="rect">
             <a:avLst/>
@@ -1747,7 +1777,9 @@
           <a:fontRef idx="minor"/>
         </p:style>
         <p:txBody>
-          <a:bodyPr lIns="122040" rIns="122040" tIns="60840" bIns="60840"/>
+          <a:bodyPr lIns="122040" rIns="122040" tIns="60840" bIns="60840">
+            <a:noAutofit/>
+          </a:bodyPr>
           <a:p>
             <a:pPr>
               <a:lnSpc>
@@ -1755,7 +1787,7 @@
               </a:lnSpc>
             </a:pPr>
             <a:r>
-              <a:rPr b="0" lang="en-GB" sz="2000" spc="284" strike="noStrike">
+              <a:rPr b="0" lang="en-GB" sz="2000" spc="282" strike="noStrike">
                 <a:solidFill>
                   <a:srgbClr val="ffffff"/>
                 </a:solidFill>
@@ -1779,7 +1811,7 @@
         <p:spPr>
           <a:xfrm>
             <a:off x="23665680" y="42049800"/>
-            <a:ext cx="5908680" cy="760320"/>
+            <a:ext cx="5908320" cy="759960"/>
           </a:xfrm>
           <a:prstGeom prst="rect">
             <a:avLst/>
@@ -1796,7 +1828,9 @@
           <a:fontRef idx="minor"/>
         </p:style>
         <p:txBody>
-          <a:bodyPr lIns="122040" rIns="122040" tIns="60840" bIns="60840"/>
+          <a:bodyPr lIns="122040" rIns="122040" tIns="60840" bIns="60840">
+            <a:noAutofit/>
+          </a:bodyPr>
           <a:p>
             <a:pPr algn="r">
               <a:lnSpc>
@@ -1804,7 +1838,7 @@
               </a:lnSpc>
             </a:pPr>
             <a:r>
-              <a:rPr b="1" lang="en-GB" sz="2800" spc="284" strike="noStrike">
+              <a:rPr b="1" lang="en-GB" sz="2800" spc="282" strike="noStrike">
                 <a:solidFill>
                   <a:srgbClr val="007784"/>
                 </a:solidFill>
@@ -1828,9 +1862,9 @@
         <p:grpSpPr>
           <a:xfrm>
             <a:off x="10756440" y="40476960"/>
-            <a:ext cx="8760240" cy="1826280"/>
+            <a:ext cx="8759880" cy="1825920"/>
             <a:chOff x="10756440" y="40476960"/>
-            <a:chExt cx="8760240" cy="1826280"/>
+            <a:chExt cx="8759880" cy="1825920"/>
           </a:xfrm>
         </p:grpSpPr>
         <p:pic>
@@ -1846,7 +1880,7 @@
           <p:spPr>
             <a:xfrm>
               <a:off x="18025560" y="40476960"/>
-              <a:ext cx="1491120" cy="1491480"/>
+              <a:ext cx="1490760" cy="1491120"/>
             </a:xfrm>
             <a:prstGeom prst="rect">
               <a:avLst/>
@@ -1869,7 +1903,7 @@
           <p:spPr>
             <a:xfrm>
               <a:off x="10756440" y="40620600"/>
-              <a:ext cx="1798920" cy="1199520"/>
+              <a:ext cx="1798560" cy="1199160"/>
             </a:xfrm>
             <a:prstGeom prst="rect">
               <a:avLst/>
@@ -1888,7 +1922,7 @@
           <p:spPr>
             <a:xfrm>
               <a:off x="12845520" y="40551120"/>
-              <a:ext cx="4890240" cy="1752120"/>
+              <a:ext cx="4889880" cy="1751760"/>
             </a:xfrm>
             <a:prstGeom prst="rect">
               <a:avLst/>
@@ -1905,7 +1939,9 @@
             <a:fontRef idx="minor"/>
           </p:style>
           <p:txBody>
-            <a:bodyPr lIns="90000" rIns="90000" tIns="45000" bIns="45000"/>
+            <a:bodyPr lIns="90000" rIns="90000" tIns="45000" bIns="45000">
+              <a:noAutofit/>
+            </a:bodyPr>
             <a:p>
               <a:pPr algn="just">
                 <a:lnSpc>
@@ -1938,7 +1974,7 @@
         <p:spPr>
           <a:xfrm>
             <a:off x="0" y="0"/>
-            <a:ext cx="30273120" cy="5397840"/>
+            <a:ext cx="30272760" cy="5397480"/>
           </a:xfrm>
           <a:prstGeom prst="rect">
             <a:avLst/>
@@ -1988,14 +2024,220 @@
           </a:prstGeom>
         </p:spPr>
         <p:txBody>
-          <a:bodyPr lIns="0" rIns="0" tIns="0" bIns="0" anchor="ctr"/>
+          <a:bodyPr lIns="0" rIns="0" tIns="0" bIns="0" anchor="ctr">
+            <a:noAutofit/>
+          </a:bodyPr>
           <a:p>
             <a:pPr algn="ctr"/>
             <a:r>
               <a:rPr b="0" lang="en-GB" sz="4400" spc="-1" strike="noStrike">
                 <a:latin typeface="Arial"/>
               </a:rPr>
-              <a:t>Click to edit the title text format</a:t>
+              <a:t>C</a:t>
+            </a:r>
+            <a:r>
+              <a:rPr b="0" lang="en-GB" sz="4400" spc="-1" strike="noStrike">
+                <a:latin typeface="Arial"/>
+              </a:rPr>
+              <a:t>l</a:t>
+            </a:r>
+            <a:r>
+              <a:rPr b="0" lang="en-GB" sz="4400" spc="-1" strike="noStrike">
+                <a:latin typeface="Arial"/>
+              </a:rPr>
+              <a:t>i</a:t>
+            </a:r>
+            <a:r>
+              <a:rPr b="0" lang="en-GB" sz="4400" spc="-1" strike="noStrike">
+                <a:latin typeface="Arial"/>
+              </a:rPr>
+              <a:t>c</a:t>
+            </a:r>
+            <a:r>
+              <a:rPr b="0" lang="en-GB" sz="4400" spc="-1" strike="noStrike">
+                <a:latin typeface="Arial"/>
+              </a:rPr>
+              <a:t>k</a:t>
+            </a:r>
+            <a:r>
+              <a:rPr b="0" lang="en-GB" sz="4400" spc="-1" strike="noStrike">
+                <a:latin typeface="Arial"/>
+              </a:rPr>
+              <a:t> </a:t>
+            </a:r>
+            <a:r>
+              <a:rPr b="0" lang="en-GB" sz="4400" spc="-1" strike="noStrike">
+                <a:latin typeface="Arial"/>
+              </a:rPr>
+              <a:t>t</a:t>
+            </a:r>
+            <a:r>
+              <a:rPr b="0" lang="en-GB" sz="4400" spc="-1" strike="noStrike">
+                <a:latin typeface="Arial"/>
+              </a:rPr>
+              <a:t>o</a:t>
+            </a:r>
+            <a:r>
+              <a:rPr b="0" lang="en-GB" sz="4400" spc="-1" strike="noStrike">
+                <a:latin typeface="Arial"/>
+              </a:rPr>
+              <a:t> </a:t>
+            </a:r>
+            <a:r>
+              <a:rPr b="0" lang="en-GB" sz="4400" spc="-1" strike="noStrike">
+                <a:latin typeface="Arial"/>
+              </a:rPr>
+              <a:t>e</a:t>
+            </a:r>
+            <a:r>
+              <a:rPr b="0" lang="en-GB" sz="4400" spc="-1" strike="noStrike">
+                <a:latin typeface="Arial"/>
+              </a:rPr>
+              <a:t>d</a:t>
+            </a:r>
+            <a:r>
+              <a:rPr b="0" lang="en-GB" sz="4400" spc="-1" strike="noStrike">
+                <a:latin typeface="Arial"/>
+              </a:rPr>
+              <a:t>i</a:t>
+            </a:r>
+            <a:r>
+              <a:rPr b="0" lang="en-GB" sz="4400" spc="-1" strike="noStrike">
+                <a:latin typeface="Arial"/>
+              </a:rPr>
+              <a:t>t</a:t>
+            </a:r>
+            <a:r>
+              <a:rPr b="0" lang="en-GB" sz="4400" spc="-1" strike="noStrike">
+                <a:latin typeface="Arial"/>
+              </a:rPr>
+              <a:t> </a:t>
+            </a:r>
+            <a:r>
+              <a:rPr b="0" lang="en-GB" sz="4400" spc="-1" strike="noStrike">
+                <a:latin typeface="Arial"/>
+              </a:rPr>
+              <a:t>t</a:t>
+            </a:r>
+            <a:r>
+              <a:rPr b="0" lang="en-GB" sz="4400" spc="-1" strike="noStrike">
+                <a:latin typeface="Arial"/>
+              </a:rPr>
+              <a:t>h</a:t>
+            </a:r>
+            <a:r>
+              <a:rPr b="0" lang="en-GB" sz="4400" spc="-1" strike="noStrike">
+                <a:latin typeface="Arial"/>
+              </a:rPr>
+              <a:t>e</a:t>
+            </a:r>
+            <a:r>
+              <a:rPr b="0" lang="en-GB" sz="4400" spc="-1" strike="noStrike">
+                <a:latin typeface="Arial"/>
+              </a:rPr>
+              <a:t> </a:t>
+            </a:r>
+            <a:r>
+              <a:rPr b="0" lang="en-GB" sz="4400" spc="-1" strike="noStrike">
+                <a:latin typeface="Arial"/>
+              </a:rPr>
+              <a:t>t</a:t>
+            </a:r>
+            <a:r>
+              <a:rPr b="0" lang="en-GB" sz="4400" spc="-1" strike="noStrike">
+                <a:latin typeface="Arial"/>
+              </a:rPr>
+              <a:t>i</a:t>
+            </a:r>
+            <a:r>
+              <a:rPr b="0" lang="en-GB" sz="4400" spc="-1" strike="noStrike">
+                <a:latin typeface="Arial"/>
+              </a:rPr>
+              <a:t>t</a:t>
+            </a:r>
+            <a:r>
+              <a:rPr b="0" lang="en-GB" sz="4400" spc="-1" strike="noStrike">
+                <a:latin typeface="Arial"/>
+              </a:rPr>
+              <a:t>l</a:t>
+            </a:r>
+            <a:r>
+              <a:rPr b="0" lang="en-GB" sz="4400" spc="-1" strike="noStrike">
+                <a:latin typeface="Arial"/>
+              </a:rPr>
+              <a:t>e</a:t>
+            </a:r>
+            <a:r>
+              <a:rPr b="0" lang="en-GB" sz="4400" spc="-1" strike="noStrike">
+                <a:latin typeface="Arial"/>
+              </a:rPr>
+              <a:t> </a:t>
+            </a:r>
+            <a:r>
+              <a:rPr b="0" lang="en-GB" sz="4400" spc="-1" strike="noStrike">
+                <a:latin typeface="Arial"/>
+              </a:rPr>
+              <a:t>t</a:t>
+            </a:r>
+            <a:r>
+              <a:rPr b="0" lang="en-GB" sz="4400" spc="-1" strike="noStrike">
+                <a:latin typeface="Arial"/>
+              </a:rPr>
+              <a:t>e</a:t>
+            </a:r>
+            <a:r>
+              <a:rPr b="0" lang="en-GB" sz="4400" spc="-1" strike="noStrike">
+                <a:latin typeface="Arial"/>
+              </a:rPr>
+              <a:t>x</a:t>
+            </a:r>
+            <a:r>
+              <a:rPr b="0" lang="en-GB" sz="4400" spc="-1" strike="noStrike">
+                <a:latin typeface="Arial"/>
+              </a:rPr>
+              <a:t>t</a:t>
+            </a:r>
+            <a:r>
+              <a:rPr b="0" lang="en-GB" sz="4400" spc="-1" strike="noStrike">
+                <a:latin typeface="Arial"/>
+              </a:rPr>
+              <a:t> </a:t>
+            </a:r>
+            <a:r>
+              <a:rPr b="0" lang="en-GB" sz="4400" spc="-1" strike="noStrike">
+                <a:latin typeface="Arial"/>
+              </a:rPr>
+              <a:t>f</a:t>
+            </a:r>
+            <a:r>
+              <a:rPr b="0" lang="en-GB" sz="4400" spc="-1" strike="noStrike">
+                <a:latin typeface="Arial"/>
+              </a:rPr>
+              <a:t>o</a:t>
+            </a:r>
+            <a:r>
+              <a:rPr b="0" lang="en-GB" sz="4400" spc="-1" strike="noStrike">
+                <a:latin typeface="Arial"/>
+              </a:rPr>
+              <a:t>r</a:t>
+            </a:r>
+            <a:r>
+              <a:rPr b="0" lang="en-GB" sz="4400" spc="-1" strike="noStrike">
+                <a:latin typeface="Arial"/>
+              </a:rPr>
+              <a:t>m</a:t>
+            </a:r>
+            <a:r>
+              <a:rPr b="0" lang="en-GB" sz="4400" spc="-1" strike="noStrike">
+                <a:latin typeface="Arial"/>
+              </a:rPr>
+              <a:t>a</a:t>
+            </a:r>
+            <a:r>
+              <a:rPr b="0" lang="en-GB" sz="4400" spc="-1" strike="noStrike">
+                <a:latin typeface="Arial"/>
+              </a:rPr>
+              <a:t>t</a:t>
             </a:r>
             <a:endParaRPr b="0" lang="en-GB" sz="4400" spc="-1" strike="noStrike">
               <a:latin typeface="Arial"/>
@@ -2228,7 +2470,7 @@
         <p:spPr>
           <a:xfrm>
             <a:off x="1143000" y="958320"/>
-            <a:ext cx="28088640" cy="2940120"/>
+            <a:ext cx="28088280" cy="2939760"/>
           </a:xfrm>
           <a:prstGeom prst="rect">
             <a:avLst/>
@@ -2262,17 +2504,7 @@
                 <a:latin typeface="Raleway"/>
                 <a:ea typeface="DejaVu Sans"/>
               </a:rPr>
-              <a:t>Arctic fjord s</a:t>
-            </a:r>
-            <a:r>
-              <a:rPr b="0" lang="en-GB" sz="7800" spc="-1" strike="noStrike">
-                <a:solidFill>
-                  <a:srgbClr val="ffffff"/>
-                </a:solidFill>
-                <a:latin typeface="Raleway"/>
-                <a:ea typeface="DejaVu Sans"/>
-              </a:rPr>
-              <a:t>ocio-ecological systems: </a:t>
+              <a:t>Arctic fjord socio-ecological systems: </a:t>
             </a:r>
             <a:endParaRPr b="0" lang="en-GB" sz="7800" spc="-1" strike="noStrike">
               <a:latin typeface="Arial"/>
@@ -2309,7 +2541,7 @@
         <p:spPr>
           <a:xfrm>
             <a:off x="1143000" y="4218120"/>
-            <a:ext cx="26110080" cy="1177200"/>
+            <a:ext cx="26109720" cy="1176840"/>
           </a:xfrm>
           <a:prstGeom prst="rect">
             <a:avLst/>
@@ -2327,7 +2559,7 @@
         </p:style>
         <p:txBody>
           <a:bodyPr lIns="90000" rIns="90000" tIns="45000" bIns="45000">
-            <a:normAutofit/>
+            <a:normAutofit fontScale="50000"/>
           </a:bodyPr>
           <a:p>
             <a:pPr>
@@ -2360,7 +2592,7 @@
         <p:spPr>
           <a:xfrm>
             <a:off x="1145880" y="8546400"/>
-            <a:ext cx="12957840" cy="8665920"/>
+            <a:ext cx="12957480" cy="8665560"/>
           </a:xfrm>
           <a:prstGeom prst="rect">
             <a:avLst/>
@@ -2378,7 +2610,7 @@
         </p:style>
         <p:txBody>
           <a:bodyPr lIns="122040" rIns="122040" tIns="60840" bIns="60840">
-            <a:normAutofit/>
+            <a:normAutofit fontScale="78000"/>
           </a:bodyPr>
           <a:p>
             <a:pPr algn="just">
@@ -2441,7 +2673,7 @@
         <p:spPr>
           <a:xfrm>
             <a:off x="16237440" y="8658360"/>
-            <a:ext cx="12958200" cy="16059240"/>
+            <a:ext cx="12957840" cy="16058880"/>
           </a:xfrm>
           <a:prstGeom prst="rect">
             <a:avLst/>
@@ -2645,7 +2877,7 @@
         <p:spPr>
           <a:xfrm>
             <a:off x="10639800" y="37549440"/>
-            <a:ext cx="8997840" cy="2442240"/>
+            <a:ext cx="8997480" cy="2441880"/>
           </a:xfrm>
           <a:prstGeom prst="rect">
             <a:avLst/>
@@ -2663,7 +2895,7 @@
         </p:style>
         <p:txBody>
           <a:bodyPr lIns="90000" rIns="90000" tIns="45000" bIns="45000">
-            <a:normAutofit/>
+            <a:normAutofit fontScale="9000"/>
           </a:bodyPr>
           <a:p>
             <a:pPr>
@@ -2808,7 +3040,7 @@
         <p:spPr>
           <a:xfrm>
             <a:off x="1143000" y="7665480"/>
-            <a:ext cx="12960720" cy="1267920"/>
+            <a:ext cx="12960360" cy="1267560"/>
           </a:xfrm>
           <a:prstGeom prst="rect">
             <a:avLst/>
@@ -2859,7 +3091,7 @@
         <p:spPr>
           <a:xfrm>
             <a:off x="16237440" y="7665480"/>
-            <a:ext cx="12960720" cy="1267920"/>
+            <a:ext cx="12960360" cy="1267560"/>
           </a:xfrm>
           <a:prstGeom prst="rect">
             <a:avLst/>
@@ -2910,7 +3142,7 @@
         <p:spPr>
           <a:xfrm>
             <a:off x="1143000" y="21356280"/>
-            <a:ext cx="12958200" cy="16059240"/>
+            <a:ext cx="12957840" cy="16058880"/>
           </a:xfrm>
           <a:prstGeom prst="rect">
             <a:avLst/>
@@ -3077,7 +3309,7 @@
         <p:spPr>
           <a:xfrm>
             <a:off x="1143000" y="20363400"/>
-            <a:ext cx="12960720" cy="1267920"/>
+            <a:ext cx="12960360" cy="1267560"/>
           </a:xfrm>
           <a:prstGeom prst="rect">
             <a:avLst/>
@@ -3127,8 +3359,8 @@
         </p:nvSpPr>
         <p:spPr>
           <a:xfrm flipV="1">
-            <a:off x="1245600" y="19891080"/>
-            <a:ext cx="1041840" cy="217440"/>
+            <a:off x="1245600" y="19890360"/>
+            <a:ext cx="1041480" cy="217080"/>
           </a:xfrm>
           <a:prstGeom prst="rect">
             <a:avLst/>
@@ -3163,8 +3395,8 @@
         </p:nvSpPr>
         <p:spPr>
           <a:xfrm flipV="1">
-            <a:off x="1216440" y="7135200"/>
-            <a:ext cx="1041840" cy="217440"/>
+            <a:off x="1216440" y="7134480"/>
+            <a:ext cx="1041480" cy="217080"/>
           </a:xfrm>
           <a:prstGeom prst="rect">
             <a:avLst/>
@@ -3199,8 +3431,8 @@
         </p:nvSpPr>
         <p:spPr>
           <a:xfrm flipV="1">
-            <a:off x="16381800" y="7197120"/>
-            <a:ext cx="1041840" cy="217440"/>
+            <a:off x="16381800" y="7196400"/>
+            <a:ext cx="1041480" cy="217080"/>
           </a:xfrm>
           <a:prstGeom prst="rect">
             <a:avLst/>
@@ -3236,7 +3468,7 @@
         <p:spPr>
           <a:xfrm>
             <a:off x="16237440" y="29041920"/>
-            <a:ext cx="12957840" cy="8665920"/>
+            <a:ext cx="12957480" cy="8665560"/>
           </a:xfrm>
           <a:prstGeom prst="rect">
             <a:avLst/>
@@ -3313,7 +3545,7 @@
         <p:spPr>
           <a:xfrm>
             <a:off x="16237440" y="28048680"/>
-            <a:ext cx="12960720" cy="1267920"/>
+            <a:ext cx="12960360" cy="1267560"/>
           </a:xfrm>
           <a:prstGeom prst="rect">
             <a:avLst/>
@@ -3363,8 +3595,8 @@
         </p:nvSpPr>
         <p:spPr>
           <a:xfrm flipV="1">
-            <a:off x="16291080" y="27518760"/>
-            <a:ext cx="1041840" cy="217440"/>
+            <a:off x="16291080" y="27518040"/>
+            <a:ext cx="1041480" cy="217080"/>
           </a:xfrm>
           <a:prstGeom prst="rect">
             <a:avLst/>
@@ -3399,8 +3631,8 @@
         </p:nvSpPr>
         <p:spPr>
           <a:xfrm flipH="1">
-            <a:off x="-2160" y="5352120"/>
-            <a:ext cx="30273120" cy="632880"/>
+            <a:off x="-2880" y="5352120"/>
+            <a:ext cx="30272760" cy="632520"/>
           </a:xfrm>
           <a:custGeom>
             <a:avLst/>
@@ -3450,8 +3682,8 @@
         </p:nvSpPr>
         <p:spPr>
           <a:xfrm flipV="1">
-            <a:off x="1245600" y="37207080"/>
-            <a:ext cx="27897840" cy="73440"/>
+            <a:off x="1245600" y="37206000"/>
+            <a:ext cx="27897480" cy="73080"/>
           </a:xfrm>
           <a:prstGeom prst="rect">
             <a:avLst/>
@@ -3487,7 +3719,7 @@
         <p:spPr>
           <a:xfrm>
             <a:off x="1143000" y="37549440"/>
-            <a:ext cx="8997840" cy="2442240"/>
+            <a:ext cx="8997480" cy="2441880"/>
           </a:xfrm>
           <a:prstGeom prst="rect">
             <a:avLst/>
@@ -3505,7 +3737,7 @@
         </p:style>
         <p:txBody>
           <a:bodyPr lIns="90000" rIns="90000" tIns="45000" bIns="45000">
-            <a:normAutofit/>
+            <a:normAutofit fontScale="4000"/>
           </a:bodyPr>
           <a:p>
             <a:pPr>
@@ -3828,7 +4060,7 @@
         <p:spPr>
           <a:xfrm>
             <a:off x="19657440" y="37549440"/>
-            <a:ext cx="8997840" cy="2442240"/>
+            <a:ext cx="8997480" cy="2441880"/>
           </a:xfrm>
           <a:prstGeom prst="rect">
             <a:avLst/>
@@ -3882,7 +4114,7 @@
                 <a:latin typeface="Raleway"/>
                 <a:ea typeface="DejaVu Sans"/>
               </a:rPr>
-              <a:t>Fig. 1 was created in large part thanks to the R package ‘ggoceanmaps’ (Vihtakari, 2022). </a:t>
+              <a:t>Fig. 1 was created in large part thanks to the R package ‘ggOceanMaps’ (Vihtakari, 2022). </a:t>
             </a:r>
             <a:endParaRPr b="0" lang="en-GB" sz="2800" spc="-1" strike="noStrike">
               <a:latin typeface="Arial"/>
@@ -3909,7 +4141,7 @@
         <p:spPr>
           <a:xfrm>
             <a:off x="1143000" y="17213040"/>
-            <a:ext cx="12886920" cy="2051280"/>
+            <a:ext cx="12886560" cy="2050920"/>
           </a:xfrm>
           <a:prstGeom prst="rect">
             <a:avLst/>
@@ -3970,7 +4202,7 @@
         <p:spPr>
           <a:xfrm>
             <a:off x="16194960" y="24804360"/>
-            <a:ext cx="12886920" cy="2051280"/>
+            <a:ext cx="12886560" cy="2050920"/>
           </a:xfrm>
           <a:prstGeom prst="rect">
             <a:avLst/>
@@ -3988,7 +4220,7 @@
         </p:style>
         <p:txBody>
           <a:bodyPr lIns="122040" rIns="122040" tIns="60840" bIns="60840">
-            <a:normAutofit/>
+            <a:normAutofit fontScale="51000"/>
           </a:bodyPr>
           <a:p>
             <a:pPr algn="just">
@@ -4035,7 +4267,7 @@
         <p:spPr>
           <a:xfrm>
             <a:off x="16254360" y="20568960"/>
-            <a:ext cx="12957120" cy="4154400"/>
+            <a:ext cx="12956760" cy="4154040"/>
           </a:xfrm>
           <a:prstGeom prst="rect">
             <a:avLst/>
@@ -4058,7 +4290,7 @@
         <p:spPr>
           <a:xfrm>
             <a:off x="1204920" y="12836520"/>
-            <a:ext cx="12700440" cy="4154040"/>
+            <a:ext cx="12700080" cy="4153680"/>
           </a:xfrm>
           <a:prstGeom prst="rect">
             <a:avLst/>
@@ -4081,7 +4313,7 @@
         <p:spPr>
           <a:xfrm>
             <a:off x="11016000" y="18576000"/>
-            <a:ext cx="2856600" cy="2856600"/>
+            <a:ext cx="2856240" cy="2856240"/>
           </a:xfrm>
           <a:prstGeom prst="rect">
             <a:avLst/>
@@ -4104,7 +4336,7 @@
         <p:spPr>
           <a:xfrm>
             <a:off x="12046680" y="31608000"/>
-            <a:ext cx="2856600" cy="2856600"/>
+            <a:ext cx="2856240" cy="2856240"/>
           </a:xfrm>
           <a:prstGeom prst="rect">
             <a:avLst/>
@@ -4116,33 +4348,14 @@
       </p:pic>
     </p:spTree>
   </p:cSld>
-  <p:timing>
-    <p:tnLst>
-      <p:par>
-        <p:cTn id="1" dur="indefinite" restart="never" nodeType="tmRoot">
-          <p:childTnLst>
-            <p:seq>
-              <p:cTn id="2" dur="indefinite" nodeType="mainSeq"/>
-              <p:prevCondLst>
-                <p:cond delay="0" evt="onPrev">
-                  <p:tgtEl>
-                    <p:sldTgt/>
-                  </p:tgtEl>
-                </p:cond>
-              </p:prevCondLst>
-              <p:nextCondLst>
-                <p:cond delay="0" evt="onNext">
-                  <p:tgtEl>
-                    <p:sldTgt/>
-                  </p:tgtEl>
-                </p:cond>
-              </p:nextCondLst>
-            </p:seq>
-          </p:childTnLst>
-        </p:cTn>
-      </p:par>
-    </p:tnLst>
-  </p:timing>
+  <mc:AlternateContent>
+    <mc:Choice Requires="p14">
+      <p:transition spd="slow" p14:dur="2000"/>
+    </mc:Choice>
+    <mc:Fallback>
+      <p:transition spd="slow"/>
+    </mc:Fallback>
+  </mc:AlternateContent>
 </p:sld>
 </file>
 
@@ -4171,8 +4384,8 @@
         </p:nvSpPr>
         <p:spPr>
           <a:xfrm flipV="1">
-            <a:off x="0" y="5407920"/>
-            <a:ext cx="30273120" cy="5464080"/>
+            <a:off x="0" y="5406840"/>
+            <a:ext cx="30272760" cy="5463720"/>
           </a:xfrm>
           <a:prstGeom prst="rect">
             <a:avLst/>
@@ -4210,7 +4423,7 @@
         <p:spPr>
           <a:xfrm>
             <a:off x="1215000" y="32079600"/>
-            <a:ext cx="27939960" cy="5342760"/>
+            <a:ext cx="27939600" cy="5342400"/>
           </a:xfrm>
           <a:prstGeom prst="rect">
             <a:avLst/>
@@ -4249,7 +4462,7 @@
         <p:spPr>
           <a:xfrm>
             <a:off x="1143000" y="958320"/>
-            <a:ext cx="28088640" cy="2940120"/>
+            <a:ext cx="28088280" cy="2939760"/>
           </a:xfrm>
           <a:prstGeom prst="rect">
             <a:avLst/>
@@ -4320,7 +4533,7 @@
         <p:spPr>
           <a:xfrm>
             <a:off x="1143000" y="4218120"/>
-            <a:ext cx="26110080" cy="1177200"/>
+            <a:ext cx="26109720" cy="1176840"/>
           </a:xfrm>
           <a:prstGeom prst="rect">
             <a:avLst/>
@@ -4371,7 +4584,7 @@
         <p:spPr>
           <a:xfrm>
             <a:off x="1143000" y="7830000"/>
-            <a:ext cx="28067040" cy="2824200"/>
+            <a:ext cx="28066680" cy="2823840"/>
           </a:xfrm>
           <a:prstGeom prst="rect">
             <a:avLst/>
@@ -4435,7 +4648,7 @@
         <p:spPr>
           <a:xfrm>
             <a:off x="10639800" y="37715040"/>
-            <a:ext cx="8997840" cy="2442240"/>
+            <a:ext cx="8997480" cy="2441880"/>
           </a:xfrm>
           <a:prstGeom prst="rect">
             <a:avLst/>
@@ -4536,7 +4749,7 @@
         <p:spPr>
           <a:xfrm>
             <a:off x="1143000" y="6837120"/>
-            <a:ext cx="12960720" cy="1267920"/>
+            <a:ext cx="12960360" cy="1267560"/>
           </a:xfrm>
           <a:prstGeom prst="rect">
             <a:avLst/>
@@ -4587,7 +4800,7 @@
         <p:spPr>
           <a:xfrm>
             <a:off x="1143000" y="12542400"/>
-            <a:ext cx="12958200" cy="19203840"/>
+            <a:ext cx="12957840" cy="19203480"/>
           </a:xfrm>
           <a:prstGeom prst="rect">
             <a:avLst/>
@@ -4794,7 +5007,7 @@
         <p:spPr>
           <a:xfrm>
             <a:off x="1143000" y="11549520"/>
-            <a:ext cx="12960720" cy="1267920"/>
+            <a:ext cx="12960360" cy="1267560"/>
           </a:xfrm>
           <a:prstGeom prst="rect">
             <a:avLst/>
@@ -4845,7 +5058,7 @@
         <p:spPr>
           <a:xfrm>
             <a:off x="1932840" y="33846120"/>
-            <a:ext cx="26393760" cy="2924280"/>
+            <a:ext cx="26393400" cy="2923920"/>
           </a:xfrm>
           <a:prstGeom prst="rect">
             <a:avLst/>
@@ -4932,7 +5145,7 @@
         <p:spPr>
           <a:xfrm>
             <a:off x="1932840" y="32777640"/>
-            <a:ext cx="12960720" cy="1267920"/>
+            <a:ext cx="12960360" cy="1267560"/>
           </a:xfrm>
           <a:prstGeom prst="rect">
             <a:avLst/>
@@ -4982,8 +5195,8 @@
         </p:nvSpPr>
         <p:spPr>
           <a:xfrm flipH="1">
-            <a:off x="-2160" y="5352120"/>
-            <a:ext cx="30217680" cy="632880"/>
+            <a:off x="-2880" y="5352120"/>
+            <a:ext cx="30217320" cy="632520"/>
           </a:xfrm>
           <a:custGeom>
             <a:avLst/>
@@ -5033,8 +5246,8 @@
         </p:nvSpPr>
         <p:spPr>
           <a:xfrm flipV="1">
-            <a:off x="1245600" y="37373040"/>
-            <a:ext cx="27897840" cy="73440"/>
+            <a:off x="1245600" y="37371960"/>
+            <a:ext cx="27897480" cy="73080"/>
           </a:xfrm>
           <a:prstGeom prst="rect">
             <a:avLst/>
@@ -5070,7 +5283,7 @@
         <p:spPr>
           <a:xfrm>
             <a:off x="1143000" y="37715040"/>
-            <a:ext cx="8997840" cy="2442240"/>
+            <a:ext cx="8997480" cy="2441880"/>
           </a:xfrm>
           <a:prstGeom prst="rect">
             <a:avLst/>
@@ -5171,7 +5384,7 @@
         <p:spPr>
           <a:xfrm>
             <a:off x="20136960" y="37715040"/>
-            <a:ext cx="8997840" cy="2442240"/>
+            <a:ext cx="8997480" cy="2441880"/>
           </a:xfrm>
           <a:prstGeom prst="rect">
             <a:avLst/>
@@ -5252,7 +5465,7 @@
         <p:spPr>
           <a:xfrm>
             <a:off x="16260480" y="12584160"/>
-            <a:ext cx="12958200" cy="18885600"/>
+            <a:ext cx="12957840" cy="18885240"/>
           </a:xfrm>
           <a:prstGeom prst="rect">
             <a:avLst/>
@@ -5459,7 +5672,7 @@
         <p:spPr>
           <a:xfrm>
             <a:off x="16260480" y="11591280"/>
-            <a:ext cx="12960720" cy="1267920"/>
+            <a:ext cx="12960360" cy="1267560"/>
           </a:xfrm>
           <a:prstGeom prst="rect">
             <a:avLst/>
@@ -5510,7 +5723,7 @@
         <p:spPr>
           <a:xfrm>
             <a:off x="16277760" y="20192760"/>
-            <a:ext cx="12957840" cy="4154400"/>
+            <a:ext cx="12957480" cy="4154040"/>
           </a:xfrm>
           <a:prstGeom prst="rect">
             <a:avLst/>
@@ -5538,7 +5751,7 @@
         <p:spPr>
           <a:xfrm>
             <a:off x="1204920" y="12836160"/>
-            <a:ext cx="12701160" cy="4154400"/>
+            <a:ext cx="12700800" cy="4154040"/>
           </a:xfrm>
           <a:prstGeom prst="rect">
             <a:avLst/>
@@ -5566,7 +5779,7 @@
         <p:spPr>
           <a:xfrm>
             <a:off x="1143000" y="17213040"/>
-            <a:ext cx="12886920" cy="2051280"/>
+            <a:ext cx="12886560" cy="2050920"/>
           </a:xfrm>
           <a:prstGeom prst="rect">
             <a:avLst/>
@@ -5627,7 +5840,7 @@
         <p:spPr>
           <a:xfrm>
             <a:off x="16194960" y="24427800"/>
-            <a:ext cx="12886920" cy="2051280"/>
+            <a:ext cx="12886560" cy="2050920"/>
           </a:xfrm>
           <a:prstGeom prst="rect">
             <a:avLst/>
@@ -5681,6 +5894,14 @@
       </p:sp>
     </p:spTree>
   </p:cSld>
+  <mc:AlternateContent>
+    <mc:Choice Requires="p14">
+      <p:transition spd="slow" p14:dur="2000"/>
+    </mc:Choice>
+    <mc:Fallback>
+      <p:transition spd="slow"/>
+    </mc:Fallback>
+  </mc:AlternateContent>
 </p:sld>
 </file>
 
@@ -5798,18 +6019,21 @@
             </a:schemeClr>
           </a:solidFill>
           <a:prstDash val="solid"/>
+          <a:miter/>
         </a:ln>
         <a:ln w="25400" cap="flat" cmpd="sng" algn="ctr">
           <a:solidFill>
             <a:schemeClr val="phClr"/>
           </a:solidFill>
           <a:prstDash val="solid"/>
+          <a:miter/>
         </a:ln>
         <a:ln w="38100" cap="flat" cmpd="sng" algn="ctr">
           <a:solidFill>
             <a:schemeClr val="phClr"/>
           </a:solidFill>
           <a:prstDash val="solid"/>
+          <a:miter/>
         </a:ln>
       </a:lnStyleLst>
       <a:effectStyleLst>
